--- a/Chapitre_05_TrainEpicycloidal/Colles/Colle_03_Redex/images/Redex.pptx
+++ b/Chapitre_05_TrainEpicycloidal/Colles/Colle_03_Redex/images/Redex.pptx
@@ -288,7 +288,7 @@
           <a:p>
             <a:fld id="{AA309A6D-C09C-4548-B29A-6CF363A7E532}" type="datetimeFigureOut">
               <a:rPr lang="fr-FR" smtClean="0"/>
-              <a:t>09/03/2016</a:t>
+              <a:t>14/03/2016</a:t>
             </a:fld>
             <a:endParaRPr lang="fr-BE"/>
           </a:p>
@@ -453,7 +453,7 @@
           <a:p>
             <a:fld id="{AA309A6D-C09C-4548-B29A-6CF363A7E532}" type="datetimeFigureOut">
               <a:rPr lang="fr-FR" smtClean="0"/>
-              <a:t>09/03/2016</a:t>
+              <a:t>14/03/2016</a:t>
             </a:fld>
             <a:endParaRPr lang="fr-BE"/>
           </a:p>
@@ -628,7 +628,7 @@
           <a:p>
             <a:fld id="{AA309A6D-C09C-4548-B29A-6CF363A7E532}" type="datetimeFigureOut">
               <a:rPr lang="fr-FR" smtClean="0"/>
-              <a:t>09/03/2016</a:t>
+              <a:t>14/03/2016</a:t>
             </a:fld>
             <a:endParaRPr lang="fr-BE"/>
           </a:p>
@@ -793,7 +793,7 @@
           <a:p>
             <a:fld id="{AA309A6D-C09C-4548-B29A-6CF363A7E532}" type="datetimeFigureOut">
               <a:rPr lang="fr-FR" smtClean="0"/>
-              <a:t>09/03/2016</a:t>
+              <a:t>14/03/2016</a:t>
             </a:fld>
             <a:endParaRPr lang="fr-BE"/>
           </a:p>
@@ -1034,7 +1034,7 @@
           <a:p>
             <a:fld id="{AA309A6D-C09C-4548-B29A-6CF363A7E532}" type="datetimeFigureOut">
               <a:rPr lang="fr-FR" smtClean="0"/>
-              <a:t>09/03/2016</a:t>
+              <a:t>14/03/2016</a:t>
             </a:fld>
             <a:endParaRPr lang="fr-BE"/>
           </a:p>
@@ -1317,7 +1317,7 @@
           <a:p>
             <a:fld id="{AA309A6D-C09C-4548-B29A-6CF363A7E532}" type="datetimeFigureOut">
               <a:rPr lang="fr-FR" smtClean="0"/>
-              <a:t>09/03/2016</a:t>
+              <a:t>14/03/2016</a:t>
             </a:fld>
             <a:endParaRPr lang="fr-BE"/>
           </a:p>
@@ -1734,7 +1734,7 @@
           <a:p>
             <a:fld id="{AA309A6D-C09C-4548-B29A-6CF363A7E532}" type="datetimeFigureOut">
               <a:rPr lang="fr-FR" smtClean="0"/>
-              <a:t>09/03/2016</a:t>
+              <a:t>14/03/2016</a:t>
             </a:fld>
             <a:endParaRPr lang="fr-BE"/>
           </a:p>
@@ -1847,7 +1847,7 @@
           <a:p>
             <a:fld id="{AA309A6D-C09C-4548-B29A-6CF363A7E532}" type="datetimeFigureOut">
               <a:rPr lang="fr-FR" smtClean="0"/>
-              <a:t>09/03/2016</a:t>
+              <a:t>14/03/2016</a:t>
             </a:fld>
             <a:endParaRPr lang="fr-BE"/>
           </a:p>
@@ -1937,7 +1937,7 @@
           <a:p>
             <a:fld id="{AA309A6D-C09C-4548-B29A-6CF363A7E532}" type="datetimeFigureOut">
               <a:rPr lang="fr-FR" smtClean="0"/>
-              <a:t>09/03/2016</a:t>
+              <a:t>14/03/2016</a:t>
             </a:fld>
             <a:endParaRPr lang="fr-BE"/>
           </a:p>
@@ -2209,7 +2209,7 @@
           <a:p>
             <a:fld id="{AA309A6D-C09C-4548-B29A-6CF363A7E532}" type="datetimeFigureOut">
               <a:rPr lang="fr-FR" smtClean="0"/>
-              <a:t>09/03/2016</a:t>
+              <a:t>14/03/2016</a:t>
             </a:fld>
             <a:endParaRPr lang="fr-BE"/>
           </a:p>
@@ -2457,7 +2457,7 @@
           <a:p>
             <a:fld id="{AA309A6D-C09C-4548-B29A-6CF363A7E532}" type="datetimeFigureOut">
               <a:rPr lang="fr-FR" smtClean="0"/>
-              <a:t>09/03/2016</a:t>
+              <a:t>14/03/2016</a:t>
             </a:fld>
             <a:endParaRPr lang="fr-BE"/>
           </a:p>
@@ -2665,7 +2665,7 @@
           <a:p>
             <a:fld id="{AA309A6D-C09C-4548-B29A-6CF363A7E532}" type="datetimeFigureOut">
               <a:rPr lang="fr-FR" smtClean="0"/>
-              <a:t>09/03/2016</a:t>
+              <a:t>14/03/2016</a:t>
             </a:fld>
             <a:endParaRPr lang="fr-BE"/>
           </a:p>
@@ -5203,11 +5203,6 @@
               </a:rPr>
               <a:t>1</a:t>
             </a:r>
-            <a:endParaRPr lang="fr-FR" sz="1200" b="1" dirty="0">
-              <a:solidFill>
-                <a:srgbClr val="00B050"/>
-              </a:solidFill>
-            </a:endParaRPr>
           </a:p>
         </p:txBody>
       </p:sp>
@@ -5371,7 +5366,7 @@
             <p:spPr>
               <a:xfrm>
                 <a:off x="2631064" y="1602342"/>
-                <a:ext cx="644792" cy="261610"/>
+                <a:ext cx="702372" cy="261610"/>
               </a:xfrm>
               <a:prstGeom prst="rect">
                 <a:avLst/>
@@ -5384,18 +5379,38 @@
               </a:bodyPr>
               <a:lstStyle/>
               <a:p>
+                <a:pPr/>
                 <a14:m>
                   <m:oMathPara xmlns:m="http://schemas.openxmlformats.org/officeDocument/2006/math">
                     <m:oMathParaPr>
                       <m:jc m:val="centerGroup"/>
                     </m:oMathParaPr>
                     <m:oMath xmlns:m="http://schemas.openxmlformats.org/officeDocument/2006/math">
-                      <m:r>
-                        <a:rPr lang="fr-FR" sz="1100" b="0" i="1" smtClean="0">
-                          <a:latin typeface="Cambria Math"/>
-                        </a:rPr>
-                        <m:t>𝑍</m:t>
-                      </m:r>
+                      <m:sSub>
+                        <m:sSubPr>
+                          <m:ctrlPr>
+                            <a:rPr lang="fr-FR" sz="1100" b="0" i="1" smtClean="0">
+                              <a:latin typeface="Cambria Math"/>
+                            </a:rPr>
+                          </m:ctrlPr>
+                        </m:sSubPr>
+                        <m:e>
+                          <m:r>
+                            <a:rPr lang="fr-FR" sz="1100" b="0" i="1" smtClean="0">
+                              <a:latin typeface="Cambria Math"/>
+                            </a:rPr>
+                            <m:t>𝑍</m:t>
+                          </m:r>
+                        </m:e>
+                        <m:sub>
+                          <m:r>
+                            <a:rPr lang="fr-FR" sz="1100" b="0" i="1" smtClean="0">
+                              <a:latin typeface="Cambria Math"/>
+                            </a:rPr>
+                            <m:t>2</m:t>
+                          </m:r>
+                        </m:sub>
+                      </m:sSub>
                       <m:r>
                         <a:rPr lang="fr-FR" sz="1100" b="0" i="1" smtClean="0">
                           <a:latin typeface="Cambria Math"/>
@@ -5422,7 +5437,7 @@
             <p:spPr>
               <a:xfrm>
                 <a:off x="2631064" y="1602342"/>
-                <a:ext cx="644792" cy="261610"/>
+                <a:ext cx="702372" cy="261610"/>
               </a:xfrm>
               <a:prstGeom prst="rect">
                 <a:avLst/>
@@ -5460,7 +5475,7 @@
             <p:spPr>
               <a:xfrm>
                 <a:off x="3613531" y="1403950"/>
-                <a:ext cx="606320" cy="261610"/>
+                <a:ext cx="704873" cy="261610"/>
               </a:xfrm>
               <a:prstGeom prst="rect">
                 <a:avLst/>
@@ -5475,12 +5490,37 @@
               <a:p>
                 <a14:m>
                   <m:oMath xmlns:m="http://schemas.openxmlformats.org/officeDocument/2006/math">
-                    <m:r>
-                      <a:rPr lang="fr-FR" sz="1100" b="0" i="1" smtClean="0">
-                        <a:latin typeface="Cambria Math"/>
-                      </a:rPr>
-                      <m:t>𝑍</m:t>
-                    </m:r>
+                    <m:sSub>
+                      <m:sSubPr>
+                        <m:ctrlPr>
+                          <a:rPr lang="fr-FR" sz="1100" b="0" i="1" smtClean="0">
+                            <a:latin typeface="Cambria Math"/>
+                          </a:rPr>
+                        </m:ctrlPr>
+                      </m:sSubPr>
+                      <m:e>
+                        <m:r>
+                          <a:rPr lang="fr-FR" sz="1100" b="0" i="1" smtClean="0">
+                            <a:latin typeface="Cambria Math"/>
+                          </a:rPr>
+                          <m:t>𝑍</m:t>
+                        </m:r>
+                        <m:r>
+                          <a:rPr lang="fr-FR" sz="1100" b="0" i="1" smtClean="0">
+                            <a:latin typeface="Cambria Math"/>
+                          </a:rPr>
+                          <m:t>′</m:t>
+                        </m:r>
+                      </m:e>
+                      <m:sub>
+                        <m:r>
+                          <a:rPr lang="fr-FR" sz="1100" b="0" i="1" smtClean="0">
+                            <a:latin typeface="Cambria Math"/>
+                          </a:rPr>
+                          <m:t>2</m:t>
+                        </m:r>
+                      </m:sub>
+                    </m:sSub>
                     <m:r>
                       <a:rPr lang="fr-FR" sz="1100" b="0" i="1" smtClean="0">
                         <a:latin typeface="Cambria Math"/>
@@ -5510,7 +5550,7 @@
             <p:spPr>
               <a:xfrm>
                 <a:off x="3613531" y="1403950"/>
-                <a:ext cx="606320" cy="261610"/>
+                <a:ext cx="704873" cy="261610"/>
               </a:xfrm>
               <a:prstGeom prst="rect">
                 <a:avLst/>
@@ -5548,7 +5588,7 @@
             <p:spPr>
               <a:xfrm>
                 <a:off x="3587174" y="3219381"/>
-                <a:ext cx="644792" cy="261610"/>
+                <a:ext cx="702372" cy="261610"/>
               </a:xfrm>
               <a:prstGeom prst="rect">
                 <a:avLst/>
@@ -5561,18 +5601,38 @@
               </a:bodyPr>
               <a:lstStyle/>
               <a:p>
+                <a:pPr/>
                 <a14:m>
                   <m:oMathPara xmlns:m="http://schemas.openxmlformats.org/officeDocument/2006/math">
                     <m:oMathParaPr>
                       <m:jc m:val="centerGroup"/>
                     </m:oMathParaPr>
                     <m:oMath xmlns:m="http://schemas.openxmlformats.org/officeDocument/2006/math">
-                      <m:r>
-                        <a:rPr lang="fr-FR" sz="1100" b="0" i="1" smtClean="0">
-                          <a:latin typeface="Cambria Math"/>
-                        </a:rPr>
-                        <m:t>𝑍</m:t>
-                      </m:r>
+                      <m:sSub>
+                        <m:sSubPr>
+                          <m:ctrlPr>
+                            <a:rPr lang="fr-FR" sz="1100" b="0" i="1" smtClean="0">
+                              <a:latin typeface="Cambria Math"/>
+                            </a:rPr>
+                          </m:ctrlPr>
+                        </m:sSubPr>
+                        <m:e>
+                          <m:r>
+                            <a:rPr lang="fr-FR" sz="1100" b="0" i="1" smtClean="0">
+                              <a:latin typeface="Cambria Math"/>
+                            </a:rPr>
+                            <m:t>𝑍</m:t>
+                          </m:r>
+                        </m:e>
+                        <m:sub>
+                          <m:r>
+                            <a:rPr lang="fr-FR" sz="1100" b="0" i="1" smtClean="0">
+                              <a:latin typeface="Cambria Math"/>
+                            </a:rPr>
+                            <m:t>0</m:t>
+                          </m:r>
+                        </m:sub>
+                      </m:sSub>
                       <m:r>
                         <a:rPr lang="fr-FR" sz="1100" b="0" i="1" smtClean="0">
                           <a:latin typeface="Cambria Math"/>
@@ -5599,7 +5659,7 @@
             <p:spPr>
               <a:xfrm>
                 <a:off x="3587174" y="3219381"/>
-                <a:ext cx="644792" cy="261610"/>
+                <a:ext cx="702372" cy="261610"/>
               </a:xfrm>
               <a:prstGeom prst="rect">
                 <a:avLst/>
@@ -5637,7 +5697,7 @@
             <p:spPr>
               <a:xfrm>
                 <a:off x="2877450" y="3141759"/>
-                <a:ext cx="644792" cy="261610"/>
+                <a:ext cx="702372" cy="261610"/>
               </a:xfrm>
               <a:prstGeom prst="rect">
                 <a:avLst/>
@@ -5650,18 +5710,38 @@
               </a:bodyPr>
               <a:lstStyle/>
               <a:p>
+                <a:pPr/>
                 <a14:m>
                   <m:oMathPara xmlns:m="http://schemas.openxmlformats.org/officeDocument/2006/math">
                     <m:oMathParaPr>
                       <m:jc m:val="centerGroup"/>
                     </m:oMathParaPr>
                     <m:oMath xmlns:m="http://schemas.openxmlformats.org/officeDocument/2006/math">
-                      <m:r>
-                        <a:rPr lang="fr-FR" sz="1100" b="0" i="1" smtClean="0">
-                          <a:latin typeface="Cambria Math"/>
-                        </a:rPr>
-                        <m:t>𝑍</m:t>
-                      </m:r>
+                      <m:sSub>
+                        <m:sSubPr>
+                          <m:ctrlPr>
+                            <a:rPr lang="fr-FR" sz="1100" b="0" i="1" smtClean="0">
+                              <a:latin typeface="Cambria Math"/>
+                            </a:rPr>
+                          </m:ctrlPr>
+                        </m:sSubPr>
+                        <m:e>
+                          <m:r>
+                            <a:rPr lang="fr-FR" sz="1100" b="0" i="1" smtClean="0">
+                              <a:latin typeface="Cambria Math"/>
+                            </a:rPr>
+                            <m:t>𝑍</m:t>
+                          </m:r>
+                        </m:e>
+                        <m:sub>
+                          <m:r>
+                            <a:rPr lang="fr-FR" sz="1100" b="0" i="1" smtClean="0">
+                              <a:latin typeface="Cambria Math"/>
+                            </a:rPr>
+                            <m:t>3</m:t>
+                          </m:r>
+                        </m:sub>
+                      </m:sSub>
                       <m:r>
                         <a:rPr lang="fr-FR" sz="1100" b="0" i="1" smtClean="0">
                           <a:latin typeface="Cambria Math"/>
@@ -5694,7 +5774,7 @@
             <p:spPr>
               <a:xfrm>
                 <a:off x="2877450" y="3141759"/>
-                <a:ext cx="644792" cy="261610"/>
+                <a:ext cx="702372" cy="261610"/>
               </a:xfrm>
               <a:prstGeom prst="rect">
                 <a:avLst/>
